--- a/Udemy/Lecture 1 - Application Design/_10_ApplicationDesign-Step8_Screen.pptx
+++ b/Udemy/Lecture 1 - Application Design/_10_ApplicationDesign-Step8_Screen.pptx
@@ -307,7 +307,7 @@
           <a:p>
             <a:fld id="{D2BDCC73-4DDF-49AB-AEE1-BCC66D6EB140}" type="datetimeFigureOut">
               <a:rPr lang="en-GB" smtClean="0"/>
-              <a:t>08/12/2018</a:t>
+              <a:t>31/07/2019</a:t>
             </a:fld>
             <a:endParaRPr lang="en-GB" dirty="0"/>
           </a:p>
@@ -517,7 +517,7 @@
           <a:p>
             <a:fld id="{D2BDCC73-4DDF-49AB-AEE1-BCC66D6EB140}" type="datetimeFigureOut">
               <a:rPr lang="en-GB" smtClean="0"/>
-              <a:t>08/12/2018</a:t>
+              <a:t>31/07/2019</a:t>
             </a:fld>
             <a:endParaRPr lang="en-GB" dirty="0"/>
           </a:p>
@@ -721,7 +721,7 @@
           <a:p>
             <a:fld id="{D2BDCC73-4DDF-49AB-AEE1-BCC66D6EB140}" type="datetimeFigureOut">
               <a:rPr lang="en-GB" smtClean="0"/>
-              <a:t>08/12/2018</a:t>
+              <a:t>31/07/2019</a:t>
             </a:fld>
             <a:endParaRPr lang="en-GB" dirty="0"/>
           </a:p>
@@ -891,7 +891,7 @@
           <a:p>
             <a:fld id="{D2BDCC73-4DDF-49AB-AEE1-BCC66D6EB140}" type="datetimeFigureOut">
               <a:rPr lang="en-GB" smtClean="0"/>
-              <a:t>08/12/2018</a:t>
+              <a:t>31/07/2019</a:t>
             </a:fld>
             <a:endParaRPr lang="en-GB" dirty="0"/>
           </a:p>
@@ -1141,7 +1141,7 @@
           <a:p>
             <a:fld id="{D2BDCC73-4DDF-49AB-AEE1-BCC66D6EB140}" type="datetimeFigureOut">
               <a:rPr lang="en-GB" smtClean="0"/>
-              <a:t>08/12/2018</a:t>
+              <a:t>31/07/2019</a:t>
             </a:fld>
             <a:endParaRPr lang="en-GB" dirty="0"/>
           </a:p>
@@ -1373,7 +1373,7 @@
           <a:p>
             <a:fld id="{D2BDCC73-4DDF-49AB-AEE1-BCC66D6EB140}" type="datetimeFigureOut">
               <a:rPr lang="en-GB" smtClean="0"/>
-              <a:t>08/12/2018</a:t>
+              <a:t>31/07/2019</a:t>
             </a:fld>
             <a:endParaRPr lang="en-GB" dirty="0"/>
           </a:p>
@@ -1742,7 +1742,7 @@
           <a:p>
             <a:fld id="{D2BDCC73-4DDF-49AB-AEE1-BCC66D6EB140}" type="datetimeFigureOut">
               <a:rPr lang="en-GB" smtClean="0"/>
-              <a:t>08/12/2018</a:t>
+              <a:t>31/07/2019</a:t>
             </a:fld>
             <a:endParaRPr lang="en-GB" dirty="0"/>
           </a:p>
@@ -1860,7 +1860,7 @@
           <a:p>
             <a:fld id="{D2BDCC73-4DDF-49AB-AEE1-BCC66D6EB140}" type="datetimeFigureOut">
               <a:rPr lang="en-GB" smtClean="0"/>
-              <a:t>08/12/2018</a:t>
+              <a:t>31/07/2019</a:t>
             </a:fld>
             <a:endParaRPr lang="en-GB" dirty="0"/>
           </a:p>
@@ -1955,7 +1955,7 @@
           <a:p>
             <a:fld id="{D2BDCC73-4DDF-49AB-AEE1-BCC66D6EB140}" type="datetimeFigureOut">
               <a:rPr lang="en-GB" smtClean="0"/>
-              <a:t>08/12/2018</a:t>
+              <a:t>31/07/2019</a:t>
             </a:fld>
             <a:endParaRPr lang="en-GB" dirty="0"/>
           </a:p>
@@ -2236,7 +2236,7 @@
           <a:p>
             <a:fld id="{D2BDCC73-4DDF-49AB-AEE1-BCC66D6EB140}" type="datetimeFigureOut">
               <a:rPr lang="en-GB" smtClean="0"/>
-              <a:t>08/12/2018</a:t>
+              <a:t>31/07/2019</a:t>
             </a:fld>
             <a:endParaRPr lang="en-GB" dirty="0"/>
           </a:p>
@@ -2491,7 +2491,7 @@
           <a:p>
             <a:fld id="{D2BDCC73-4DDF-49AB-AEE1-BCC66D6EB140}" type="datetimeFigureOut">
               <a:rPr lang="en-GB" smtClean="0"/>
-              <a:t>08/12/2018</a:t>
+              <a:t>31/07/2019</a:t>
             </a:fld>
             <a:endParaRPr lang="en-GB" dirty="0"/>
           </a:p>
@@ -2750,7 +2750,7 @@
           <a:p>
             <a:fld id="{D2BDCC73-4DDF-49AB-AEE1-BCC66D6EB140}" type="datetimeFigureOut">
               <a:rPr lang="en-GB" smtClean="0"/>
-              <a:t>08/12/2018</a:t>
+              <a:t>31/07/2019</a:t>
             </a:fld>
             <a:endParaRPr lang="en-GB" dirty="0"/>
           </a:p>
@@ -3712,7 +3712,7 @@
             <a:r>
               <a:rPr lang="en-US" dirty="0">
                 <a:solidFill>
-                  <a:srgbClr val="CACF0B"/>
+                  <a:srgbClr val="FFC000"/>
                 </a:solidFill>
                 <a:latin typeface="+mn-lt"/>
               </a:rPr>
@@ -3720,11 +3720,9 @@
             </a:r>
             <a:endParaRPr lang="en-US" kern="1200" dirty="0">
               <a:solidFill>
-                <a:srgbClr val="CACF0B"/>
+                <a:srgbClr val="FFC000"/>
               </a:solidFill>
               <a:latin typeface="+mn-lt"/>
-              <a:ea typeface="+mn-ea"/>
-              <a:cs typeface="+mn-cs"/>
             </a:endParaRPr>
           </a:p>
         </p:txBody>
@@ -4325,16 +4323,12 @@
           <a:lstStyle/>
           <a:p>
             <a:r>
-              <a:rPr lang="en-US" sz="4400" kern="1200" dirty="0"/>
-              <a:t>Step 8 </a:t>
-            </a:r>
-            <a:r>
               <a:rPr lang="en-US" sz="4400" kern="1200" dirty="0">
                 <a:solidFill>
-                  <a:schemeClr val="tx1"/>
+                  <a:srgbClr val="FFC000"/>
                 </a:solidFill>
               </a:rPr>
-              <a:t> </a:t>
+              <a:t>Step 8  </a:t>
             </a:r>
             <a:r>
               <a:rPr lang="en-GB" sz="4400" dirty="0">
@@ -4397,6 +4391,9 @@
           <a:p>
             <a:pPr>
               <a:buSzPct val="90000"/>
+              <a:buBlip>
+                <a:blip r:embed="rId2"/>
+              </a:buBlip>
             </a:pPr>
             <a:r>
               <a:rPr lang="en-GB" dirty="0">
@@ -4407,9 +4404,9 @@
               <a:t>They </a:t>
             </a:r>
             <a:r>
-              <a:rPr lang="en-GB" dirty="0">
+              <a:rPr lang="en-GB" b="1" dirty="0">
                 <a:solidFill>
-                  <a:srgbClr val="CACF0B"/>
+                  <a:srgbClr val="FFC000"/>
                 </a:solidFill>
               </a:rPr>
               <a:t>break</a:t>
@@ -4426,6 +4423,9 @@
           <a:p>
             <a:pPr>
               <a:buSzPct val="90000"/>
+              <a:buBlip>
+                <a:blip r:embed="rId2"/>
+              </a:buBlip>
             </a:pPr>
             <a:r>
               <a:rPr lang="en-GB" dirty="0">
@@ -4436,9 +4436,9 @@
               <a:t>They </a:t>
             </a:r>
             <a:r>
-              <a:rPr lang="en-GB" dirty="0">
+              <a:rPr lang="en-GB" b="1" dirty="0">
                 <a:solidFill>
-                  <a:srgbClr val="CACF0B"/>
+                  <a:srgbClr val="FFC000"/>
                 </a:solidFill>
               </a:rPr>
               <a:t>ask</a:t>
@@ -4455,6 +4455,9 @@
           <a:p>
             <a:pPr>
               <a:buSzPct val="90000"/>
+              <a:buBlip>
+                <a:blip r:embed="rId2"/>
+              </a:buBlip>
             </a:pPr>
             <a:r>
               <a:rPr lang="en-GB" dirty="0">
@@ -4480,9 +4483,9 @@
               <a:t>something </a:t>
             </a:r>
             <a:r>
-              <a:rPr lang="en-GB" dirty="0">
+              <a:rPr lang="en-GB" b="1" dirty="0">
                 <a:solidFill>
-                  <a:srgbClr val="CACF0B"/>
+                  <a:srgbClr val="FFC000"/>
                 </a:solidFill>
               </a:rPr>
               <a:t>completely different </a:t>
@@ -4491,6 +4494,9 @@
           <a:p>
             <a:pPr>
               <a:buSzPct val="90000"/>
+              <a:buBlip>
+                <a:blip r:embed="rId2"/>
+              </a:buBlip>
             </a:pPr>
             <a:r>
               <a:rPr lang="en-GB" dirty="0">
@@ -4508,12 +4514,20 @@
               </a:rPr>
             </a:br>
             <a:r>
+              <a:rPr lang="en-GB" b="1" dirty="0">
+                <a:solidFill>
+                  <a:srgbClr val="FFC000"/>
+                </a:solidFill>
+              </a:rPr>
+              <a:t>never knew existed</a:t>
+            </a:r>
+            <a:r>
               <a:rPr lang="en-GB" dirty="0">
                 <a:solidFill>
                   <a:srgbClr val="CACF0B"/>
                 </a:solidFill>
               </a:rPr>
-              <a:t>never knew existed </a:t>
+              <a:t> </a:t>
             </a:r>
             <a:r>
               <a:rPr lang="en-GB" dirty="0">
@@ -4528,9 +4542,7 @@
             <a:pPr>
               <a:buSzPct val="50000"/>
               <a:buBlip>
-                <a:blip r:embed="rId2">
-                  <a:extLst/>
-                </a:blip>
+                <a:blip r:embed="rId3"/>
               </a:buBlip>
             </a:pPr>
             <a:endParaRPr lang="en-GB" dirty="0">
@@ -4556,7 +4568,7 @@
           <p:nvPr/>
         </p:nvPicPr>
         <p:blipFill>
-          <a:blip r:embed="rId3" cstate="print">
+          <a:blip r:embed="rId4" cstate="print">
             <a:extLst>
               <a:ext uri="{28A0092B-C50C-407E-A947-70E740481C1C}">
                 <a14:useLocalDpi xmlns:a14="http://schemas.microsoft.com/office/drawing/2010/main" val="0"/>
@@ -5400,16 +5412,12 @@
           <a:lstStyle/>
           <a:p>
             <a:r>
-              <a:rPr lang="en-US" sz="4400" kern="1200" dirty="0"/>
-              <a:t>Step 8 </a:t>
-            </a:r>
-            <a:r>
               <a:rPr lang="en-US" sz="4400" kern="1200" dirty="0">
                 <a:solidFill>
-                  <a:schemeClr val="tx1"/>
+                  <a:srgbClr val="FFC000"/>
                 </a:solidFill>
               </a:rPr>
-              <a:t> </a:t>
+              <a:t>Step 8  </a:t>
             </a:r>
             <a:r>
               <a:rPr lang="en-GB" sz="4400" dirty="0">
@@ -5472,11 +5480,14 @@
           <a:p>
             <a:pPr>
               <a:buSzPct val="90000"/>
+              <a:buBlip>
+                <a:blip r:embed="rId2"/>
+              </a:buBlip>
             </a:pPr>
             <a:r>
-              <a:rPr lang="en-GB" dirty="0">
+              <a:rPr lang="en-GB" b="1" dirty="0">
                 <a:solidFill>
-                  <a:srgbClr val="CACF0B"/>
+                  <a:srgbClr val="FFC000"/>
                 </a:solidFill>
               </a:rPr>
               <a:t>Cloud release </a:t>
@@ -5493,11 +5504,14 @@
           <a:p>
             <a:pPr>
               <a:buSzPct val="90000"/>
+              <a:buBlip>
+                <a:blip r:embed="rId2"/>
+              </a:buBlip>
             </a:pPr>
             <a:r>
-              <a:rPr lang="en-GB" dirty="0">
+              <a:rPr lang="en-GB" b="1" dirty="0">
                 <a:solidFill>
-                  <a:srgbClr val="CACF0B"/>
+                  <a:srgbClr val="FFC000"/>
                 </a:solidFill>
               </a:rPr>
               <a:t>Web hosting </a:t>
@@ -5514,11 +5528,14 @@
           <a:p>
             <a:pPr>
               <a:buSzPct val="90000"/>
+              <a:buBlip>
+                <a:blip r:embed="rId2"/>
+              </a:buBlip>
             </a:pPr>
             <a:r>
-              <a:rPr lang="en-GB" dirty="0">
+              <a:rPr lang="en-GB" b="1" dirty="0">
                 <a:solidFill>
-                  <a:srgbClr val="CACF0B"/>
+                  <a:srgbClr val="FFC000"/>
                 </a:solidFill>
               </a:rPr>
               <a:t>Host from home </a:t>
@@ -5536,9 +5553,7 @@
             <a:pPr>
               <a:buSzPct val="50000"/>
               <a:buBlip>
-                <a:blip r:embed="rId2">
-                  <a:extLst/>
-                </a:blip>
+                <a:blip r:embed="rId3"/>
               </a:buBlip>
             </a:pPr>
             <a:endParaRPr lang="en-GB" dirty="0">
@@ -5564,7 +5579,7 @@
           <p:nvPr/>
         </p:nvPicPr>
         <p:blipFill>
-          <a:blip r:embed="rId3" cstate="print">
+          <a:blip r:embed="rId4" cstate="print">
             <a:extLst>
               <a:ext uri="{28A0092B-C50C-407E-A947-70E740481C1C}">
                 <a14:useLocalDpi xmlns:a14="http://schemas.microsoft.com/office/drawing/2010/main" val="0"/>
@@ -6008,7 +6023,7 @@
 <file path=ppt/theme/theme1.xml><?xml version="1.0" encoding="utf-8"?>
 <a:theme xmlns:a="http://schemas.openxmlformats.org/drawingml/2006/main" name="Office Theme">
   <a:themeElements>
-    <a:clrScheme name="Office">
+    <a:clrScheme name="Red Orange">
       <a:dk1>
         <a:sysClr val="windowText" lastClr="000000"/>
       </a:dk1>
@@ -6016,34 +6031,34 @@
         <a:sysClr val="window" lastClr="FFFFFF"/>
       </a:lt1>
       <a:dk2>
-        <a:srgbClr val="44546A"/>
+        <a:srgbClr val="505046"/>
       </a:dk2>
       <a:lt2>
-        <a:srgbClr val="E7E6E6"/>
+        <a:srgbClr val="EEECE1"/>
       </a:lt2>
       <a:accent1>
-        <a:srgbClr val="5B9BD5"/>
+        <a:srgbClr val="E84C22"/>
       </a:accent1>
       <a:accent2>
-        <a:srgbClr val="ED7D31"/>
+        <a:srgbClr val="FFBD47"/>
       </a:accent2>
       <a:accent3>
-        <a:srgbClr val="A5A5A5"/>
+        <a:srgbClr val="B64926"/>
       </a:accent3>
       <a:accent4>
-        <a:srgbClr val="FFC000"/>
+        <a:srgbClr val="FF8427"/>
       </a:accent4>
       <a:accent5>
-        <a:srgbClr val="4472C4"/>
+        <a:srgbClr val="CC9900"/>
       </a:accent5>
       <a:accent6>
-        <a:srgbClr val="70AD47"/>
+        <a:srgbClr val="B22600"/>
       </a:accent6>
       <a:hlink>
-        <a:srgbClr val="0563C1"/>
+        <a:srgbClr val="CC9900"/>
       </a:hlink>
       <a:folHlink>
-        <a:srgbClr val="954F72"/>
+        <a:srgbClr val="666699"/>
       </a:folHlink>
     </a:clrScheme>
     <a:fontScheme name="Office">
